--- a/Offline/BusinessManagement/MarketingArtworks/pptx/Standies.pptx
+++ b/Offline/BusinessManagement/MarketingArtworks/pptx/Standies.pptx
@@ -104,6 +104,11 @@
       </a:defRPr>
     </a:lvl9pPr>
   </p:defaultTextStyle>
+  <p:extLst>
+    <p:ext uri="{EFAFB233-063F-42B5-8137-9DF3F51BA10A}">
+      <p15:sldGuideLst xmlns:p15="http://schemas.microsoft.com/office/powerpoint/2012/main"/>
+    </p:ext>
+  </p:extLst>
 </p:presentation>
 </file>
 
@@ -2994,7 +2999,7 @@
         </p:blipFill>
         <p:spPr>
           <a:xfrm>
-            <a:off x="3220626" y="36903303"/>
+            <a:off x="3220626" y="10967875"/>
             <a:ext cx="19161406" cy="9064204"/>
           </a:xfrm>
           <a:prstGeom prst="rect">
@@ -3016,7 +3021,7 @@
         </p:nvSpPr>
         <p:spPr>
           <a:xfrm>
-            <a:off x="770021" y="26819747"/>
+            <a:off x="914400" y="825273"/>
             <a:ext cx="26517600" cy="1569660"/>
           </a:xfrm>
           <a:prstGeom prst="rect">
@@ -3105,7 +3110,7 @@
         </p:blipFill>
         <p:spPr>
           <a:xfrm>
-            <a:off x="3868416" y="26271701"/>
+            <a:off x="4012795" y="277227"/>
             <a:ext cx="3434504" cy="3434504"/>
           </a:xfrm>
           <a:prstGeom prst="rect">
@@ -3127,7 +3132,7 @@
         </p:nvSpPr>
         <p:spPr>
           <a:xfrm>
-            <a:off x="13417904" y="26271701"/>
+            <a:off x="13562283" y="277227"/>
             <a:ext cx="3636736" cy="3571747"/>
           </a:xfrm>
           <a:custGeom>
@@ -3484,7 +3489,7 @@
         </p:nvSpPr>
         <p:spPr>
           <a:xfrm>
-            <a:off x="13284437" y="30039334"/>
+            <a:off x="13284438" y="3948608"/>
             <a:ext cx="11473981" cy="6863969"/>
           </a:xfrm>
           <a:prstGeom prst="star32">
@@ -3576,8 +3581,8 @@
         </p:nvSpPr>
         <p:spPr>
           <a:xfrm>
-            <a:off x="844783" y="30039334"/>
-            <a:ext cx="11473981" cy="6863969"/>
+            <a:off x="844784" y="3934472"/>
+            <a:ext cx="11473981" cy="6878105"/>
           </a:xfrm>
           <a:prstGeom prst="star32">
             <a:avLst/>
@@ -3827,7 +3832,7 @@
         </p:blipFill>
         <p:spPr bwMode="auto">
           <a:xfrm>
-            <a:off x="3965323" y="15685164"/>
+            <a:off x="5137662" y="36702881"/>
             <a:ext cx="2040290" cy="2040290"/>
           </a:xfrm>
           <a:prstGeom prst="rect">
@@ -3921,7 +3926,7 @@
         </p:blipFill>
         <p:spPr bwMode="auto">
           <a:xfrm>
-            <a:off x="12148599" y="18151857"/>
+            <a:off x="15318797" y="37949270"/>
             <a:ext cx="1880222" cy="1880222"/>
           </a:xfrm>
           <a:prstGeom prst="rect">
@@ -3983,102 +3988,6 @@
           </a:p>
         </p:txBody>
       </p:sp>
-      <p:pic>
-        <p:nvPicPr>
-          <p:cNvPr id="42" name="Picture 41">
-            <a:extLst>
-              <a:ext uri="{FF2B5EF4-FFF2-40B4-BE49-F238E27FC236}">
-                <a16:creationId xmlns:a16="http://schemas.microsoft.com/office/drawing/2014/main" id="{1BA3C4BB-19BB-A885-F615-F87EBFE6FEEB}"/>
-              </a:ext>
-            </a:extLst>
-          </p:cNvPr>
-          <p:cNvPicPr>
-            <a:picLocks noChangeAspect="1"/>
-          </p:cNvPicPr>
-          <p:nvPr/>
-        </p:nvPicPr>
-        <p:blipFill>
-          <a:blip r:embed="rId8">
-            <a:extLst>
-              <a:ext uri="{28A0092B-C50C-407E-A947-70E740481C1C}">
-                <a14:useLocalDpi xmlns:a14="http://schemas.microsoft.com/office/drawing/2010/main" val="0"/>
-              </a:ext>
-            </a:extLst>
-          </a:blip>
-          <a:srcRect l="2078" t="1253" r="3396" b="1253"/>
-          <a:stretch>
-            <a:fillRect/>
-          </a:stretch>
-        </p:blipFill>
-        <p:spPr>
-          <a:xfrm>
-            <a:off x="12397446" y="10069685"/>
-            <a:ext cx="3578678" cy="3685101"/>
-          </a:xfrm>
-          <a:custGeom>
-            <a:avLst/>
-            <a:gdLst>
-              <a:gd name="connsiteX0" fmla="*/ 1789340 w 3578678"/>
-              <a:gd name="connsiteY0" fmla="*/ 0 h 3685101"/>
-              <a:gd name="connsiteX1" fmla="*/ 3578678 w 3578678"/>
-              <a:gd name="connsiteY1" fmla="*/ 1842550 h 3685101"/>
-              <a:gd name="connsiteX2" fmla="*/ 1789340 w 3578678"/>
-              <a:gd name="connsiteY2" fmla="*/ 3685101 h 3685101"/>
-              <a:gd name="connsiteX3" fmla="*/ 0 w 3578678"/>
-              <a:gd name="connsiteY3" fmla="*/ 1842550 h 3685101"/>
-              <a:gd name="connsiteX4" fmla="*/ 1789340 w 3578678"/>
-              <a:gd name="connsiteY4" fmla="*/ 0 h 3685101"/>
-            </a:gdLst>
-            <a:ahLst/>
-            <a:cxnLst>
-              <a:cxn ang="0">
-                <a:pos x="connsiteX0" y="connsiteY0"/>
-              </a:cxn>
-              <a:cxn ang="0">
-                <a:pos x="connsiteX1" y="connsiteY1"/>
-              </a:cxn>
-              <a:cxn ang="0">
-                <a:pos x="connsiteX2" y="connsiteY2"/>
-              </a:cxn>
-              <a:cxn ang="0">
-                <a:pos x="connsiteX3" y="connsiteY3"/>
-              </a:cxn>
-              <a:cxn ang="0">
-                <a:pos x="connsiteX4" y="connsiteY4"/>
-              </a:cxn>
-            </a:cxnLst>
-            <a:rect l="l" t="t" r="r" b="b"/>
-            <a:pathLst>
-              <a:path w="3578678" h="3685101">
-                <a:moveTo>
-                  <a:pt x="1789340" y="0"/>
-                </a:moveTo>
-                <a:cubicBezTo>
-                  <a:pt x="2777566" y="0"/>
-                  <a:pt x="3578678" y="824938"/>
-                  <a:pt x="3578678" y="1842550"/>
-                </a:cubicBezTo>
-                <a:cubicBezTo>
-                  <a:pt x="3578678" y="2860162"/>
-                  <a:pt x="2777566" y="3685101"/>
-                  <a:pt x="1789340" y="3685101"/>
-                </a:cubicBezTo>
-                <a:cubicBezTo>
-                  <a:pt x="801112" y="3685101"/>
-                  <a:pt x="0" y="2860162"/>
-                  <a:pt x="0" y="1842550"/>
-                </a:cubicBezTo>
-                <a:cubicBezTo>
-                  <a:pt x="0" y="824938"/>
-                  <a:pt x="801112" y="0"/>
-                  <a:pt x="1789340" y="0"/>
-                </a:cubicBezTo>
-                <a:close/>
-              </a:path>
-            </a:pathLst>
-          </a:custGeom>
-        </p:spPr>
-      </p:pic>
       <p:pic>
         <p:nvPicPr>
           <p:cNvPr id="43" name="Picture 42">
@@ -4108,8 +4017,8 @@
         </p:blipFill>
         <p:spPr>
           <a:xfrm>
-            <a:off x="17232088" y="17039103"/>
-            <a:ext cx="3578678" cy="3685101"/>
+            <a:off x="19730717" y="34213209"/>
+            <a:ext cx="2688714" cy="2768671"/>
           </a:xfrm>
           <a:custGeom>
             <a:avLst/>
@@ -4178,6 +4087,204 @@
           </a:solidFill>
         </p:spPr>
       </p:pic>
+      <p:pic>
+        <p:nvPicPr>
+          <p:cNvPr id="2" name="Picture 2" descr="Download Google Play Icon Royalty-Free Vector Graphic - Pixabay">
+            <a:extLst>
+              <a:ext uri="{FF2B5EF4-FFF2-40B4-BE49-F238E27FC236}">
+                <a16:creationId xmlns:a16="http://schemas.microsoft.com/office/drawing/2014/main" id="{91DDA7FB-AAED-BFBB-67EE-9C06F7C59FD9}"/>
+              </a:ext>
+            </a:extLst>
+          </p:cNvPr>
+          <p:cNvPicPr>
+            <a:picLocks noChangeAspect="1" noChangeArrowheads="1"/>
+          </p:cNvPicPr>
+          <p:nvPr/>
+        </p:nvPicPr>
+        <p:blipFill>
+          <a:blip r:embed="rId9">
+            <a:extLst>
+              <a:ext uri="{28A0092B-C50C-407E-A947-70E740481C1C}">
+                <a14:useLocalDpi xmlns:a14="http://schemas.microsoft.com/office/drawing/2010/main" val="0"/>
+              </a:ext>
+            </a:extLst>
+          </a:blip>
+          <a:srcRect/>
+          <a:stretch>
+            <a:fillRect/>
+          </a:stretch>
+        </p:blipFill>
+        <p:spPr bwMode="auto">
+          <a:xfrm>
+            <a:off x="2250184" y="34017246"/>
+            <a:ext cx="2268896" cy="2544252"/>
+          </a:xfrm>
+          <a:prstGeom prst="rect">
+            <a:avLst/>
+          </a:prstGeom>
+          <a:noFill/>
+          <a:extLst>
+            <a:ext uri="{909E8E84-426E-40DD-AFC4-6F175D3DCCD1}">
+              <a14:hiddenFill xmlns:a14="http://schemas.microsoft.com/office/drawing/2010/main">
+                <a:solidFill>
+                  <a:srgbClr val="FFFFFF"/>
+                </a:solidFill>
+              </a14:hiddenFill>
+            </a:ext>
+          </a:extLst>
+        </p:spPr>
+      </p:pic>
+      <p:sp>
+        <p:nvSpPr>
+          <p:cNvPr id="5" name="TextBox 4">
+            <a:extLst>
+              <a:ext uri="{FF2B5EF4-FFF2-40B4-BE49-F238E27FC236}">
+                <a16:creationId xmlns:a16="http://schemas.microsoft.com/office/drawing/2014/main" id="{E5BAA325-E4F7-5621-A90D-36898CCBEB5D}"/>
+              </a:ext>
+            </a:extLst>
+          </p:cNvPr>
+          <p:cNvSpPr txBox="1"/>
+          <p:nvPr/>
+        </p:nvSpPr>
+        <p:spPr>
+          <a:xfrm>
+            <a:off x="4050194" y="34245111"/>
+            <a:ext cx="16537141" cy="2215991"/>
+          </a:xfrm>
+          <a:prstGeom prst="rect">
+            <a:avLst/>
+          </a:prstGeom>
+          <a:noFill/>
+        </p:spPr>
+        <p:txBody>
+          <a:bodyPr wrap="square">
+            <a:spAutoFit/>
+          </a:bodyPr>
+          <a:lstStyle/>
+          <a:p>
+            <a:pPr algn="ctr"/>
+            <a:r>
+              <a:rPr lang="en-AU" sz="13800" b="1" dirty="0">
+                <a:solidFill>
+                  <a:srgbClr val="C00000"/>
+                </a:solidFill>
+                <a:latin typeface="Oxygen" panose="02000503000000000000" pitchFamily="2" charset="0"/>
+              </a:rPr>
+              <a:t>Own Edtech App</a:t>
+            </a:r>
+            <a:endParaRPr lang="en-US" sz="13800" dirty="0"/>
+          </a:p>
+        </p:txBody>
+      </p:sp>
+      <p:sp>
+        <p:nvSpPr>
+          <p:cNvPr id="7" name="TextBox 6">
+            <a:extLst>
+              <a:ext uri="{FF2B5EF4-FFF2-40B4-BE49-F238E27FC236}">
+                <a16:creationId xmlns:a16="http://schemas.microsoft.com/office/drawing/2014/main" id="{7A7304C7-8DD2-31C1-E2DC-A82AB62D6A2F}"/>
+              </a:ext>
+            </a:extLst>
+          </p:cNvPr>
+          <p:cNvSpPr txBox="1"/>
+          <p:nvPr/>
+        </p:nvSpPr>
+        <p:spPr>
+          <a:xfrm>
+            <a:off x="104693" y="20468933"/>
+            <a:ext cx="25603742" cy="13032094"/>
+          </a:xfrm>
+          <a:prstGeom prst="rect">
+            <a:avLst/>
+          </a:prstGeom>
+          <a:noFill/>
+        </p:spPr>
+        <p:txBody>
+          <a:bodyPr wrap="square">
+            <a:spAutoFit/>
+          </a:bodyPr>
+          <a:lstStyle/>
+          <a:p>
+            <a:pPr algn="ctr">
+              <a:lnSpc>
+                <a:spcPct val="150000"/>
+              </a:lnSpc>
+            </a:pPr>
+            <a:r>
+              <a:rPr lang="en-US" sz="11500" b="1" cap="small" dirty="0">
+                <a:solidFill>
+                  <a:srgbClr val="C00000"/>
+                </a:solidFill>
+                <a:latin typeface="Oxygen" panose="02000503000000000000" pitchFamily="2" charset="0"/>
+              </a:rPr>
+              <a:t>NEET &amp; IIT-JEE</a:t>
+            </a:r>
+          </a:p>
+          <a:p>
+            <a:pPr algn="ctr">
+              <a:lnSpc>
+                <a:spcPct val="150000"/>
+              </a:lnSpc>
+            </a:pPr>
+            <a:r>
+              <a:rPr lang="en-US" sz="11500" b="1" cap="small" dirty="0">
+                <a:solidFill>
+                  <a:srgbClr val="C00000"/>
+                </a:solidFill>
+                <a:latin typeface="Oxygen" panose="02000503000000000000" pitchFamily="2" charset="0"/>
+              </a:rPr>
+              <a:t>VIII-XII – All Subjects &amp; Boards</a:t>
+            </a:r>
+          </a:p>
+          <a:p>
+            <a:pPr algn="ctr">
+              <a:lnSpc>
+                <a:spcPct val="150000"/>
+              </a:lnSpc>
+            </a:pPr>
+            <a:r>
+              <a:rPr lang="en-US" sz="11500" b="1" cap="small" dirty="0">
+                <a:solidFill>
+                  <a:srgbClr val="C00000"/>
+                </a:solidFill>
+                <a:latin typeface="Oxygen" panose="02000503000000000000" pitchFamily="2" charset="0"/>
+              </a:rPr>
+              <a:t>AI &amp; IT – School Kids to Engineers</a:t>
+            </a:r>
+          </a:p>
+          <a:p>
+            <a:pPr algn="ctr">
+              <a:lnSpc>
+                <a:spcPct val="150000"/>
+              </a:lnSpc>
+            </a:pPr>
+            <a:r>
+              <a:rPr lang="en-US" sz="11500" b="1" cap="small" dirty="0">
+                <a:solidFill>
+                  <a:srgbClr val="C00000"/>
+                </a:solidFill>
+                <a:latin typeface="Oxygen" panose="02000503000000000000" pitchFamily="2" charset="0"/>
+              </a:rPr>
+              <a:t>BCom, BBA, CA, CMA, CS, CFA</a:t>
+            </a:r>
+          </a:p>
+          <a:p>
+            <a:pPr algn="ctr">
+              <a:lnSpc>
+                <a:spcPct val="150000"/>
+              </a:lnSpc>
+            </a:pPr>
+            <a:r>
+              <a:rPr lang="en-US" sz="11500" b="1" cap="small" dirty="0">
+                <a:solidFill>
+                  <a:srgbClr val="C00000"/>
+                </a:solidFill>
+                <a:latin typeface="Oxygen" panose="02000503000000000000" pitchFamily="2" charset="0"/>
+              </a:rPr>
+              <a:t>Grooming, Spoken Eng, Ielts, Toefl</a:t>
+            </a:r>
+          </a:p>
+        </p:txBody>
+      </p:sp>
     </p:spTree>
     <p:extLst>
       <p:ext uri="{BB962C8B-B14F-4D97-AF65-F5344CB8AC3E}">
